--- a/FOML_PPT.pptx
+++ b/FOML_PPT.pptx
@@ -13900,7 +13900,7 @@
         <p:spPr>
           <a:xfrm>
             <a:off x="7398328" y="5228206"/>
-            <a:ext cx="4479639" cy="705485"/>
+            <a:ext cx="4479639" cy="828675"/>
           </a:xfrm>
           <a:prstGeom prst="rect">
             <a:avLst/>
@@ -13925,7 +13925,7 @@
               <a:buNone/>
             </a:pPr>
             <a:r>
-              <a:rPr lang="en-US" altLang="en-IN" sz="2000" b="1" dirty="0">
+              <a:rPr lang="en-US" altLang="en-IN" sz="2400" b="1" dirty="0">
                 <a:solidFill>
                   <a:srgbClr val="FF0000"/>
                 </a:solidFill>
@@ -13934,7 +13934,7 @@
               <a:t>Rethinaath S</a:t>
             </a:r>
             <a:r>
-              <a:rPr lang="en-IN" altLang="en-US" sz="2000" b="1" dirty="0">
+              <a:rPr lang="en-IN" altLang="en-US" sz="2400" b="1" dirty="0">
                 <a:solidFill>
                   <a:srgbClr val="FF0000"/>
                 </a:solidFill>
@@ -13942,7 +13942,7 @@
               </a:rPr>
               <a:t> </a:t>
             </a:r>
-            <a:endParaRPr lang="en-IN" altLang="en-US" sz="2000" b="1" dirty="0">
+            <a:endParaRPr lang="en-IN" altLang="en-US" sz="2400" b="1" dirty="0">
               <a:solidFill>
                 <a:srgbClr val="FF0000"/>
               </a:solidFill>
@@ -13958,7 +13958,7 @@
               <a:buNone/>
             </a:pPr>
             <a:r>
-              <a:rPr lang="en-IN" altLang="en-US" sz="2000" b="1" dirty="0">
+              <a:rPr lang="en-IN" altLang="en-US" sz="2400" b="1" dirty="0">
                 <a:solidFill>
                   <a:srgbClr val="FF0000"/>
                 </a:solidFill>
@@ -13967,7 +13967,7 @@
               <a:t>2116220701</a:t>
             </a:r>
             <a:r>
-              <a:rPr lang="en-US" altLang="en-IN" sz="2000" b="1" dirty="0">
+              <a:rPr lang="en-US" altLang="en-IN" sz="2400" b="1" dirty="0">
                 <a:solidFill>
                   <a:srgbClr val="FF0000"/>
                 </a:solidFill>
@@ -13975,7 +13975,7 @@
               </a:rPr>
               <a:t>222</a:t>
             </a:r>
-            <a:endParaRPr lang="en-US" altLang="en-IN" sz="2000" b="1" dirty="0">
+            <a:endParaRPr lang="en-US" altLang="en-IN" sz="2400" b="1" dirty="0">
               <a:solidFill>
                 <a:srgbClr val="FF0000"/>
               </a:solidFill>
@@ -15336,59 +15336,59 @@
               <a:buNone/>
             </a:pPr>
             <a:r>
-              <a:rPr lang="en-IN" sz="2200"/>
+              <a:rPr lang="en-IN" sz="2400"/>
               <a:t>Implementation was done in Python using TensorFlow and Keras. Dataset generation used NumPy and OpenCV. Model was trained for 5 epochs achieving 96.5% accuracy.</a:t>
             </a:r>
             <a:br>
-              <a:rPr lang="en-IN" sz="2200"/>
+              <a:rPr lang="en-IN" sz="2400"/>
             </a:br>
             <a:r>
-              <a:rPr lang="en-IN" sz="2200"/>
+              <a:rPr lang="en-IN" sz="2400"/>
               <a:t>Results:</a:t>
             </a:r>
             <a:br>
-              <a:rPr lang="en-IN" sz="2200"/>
+              <a:rPr lang="en-IN" sz="2400"/>
             </a:br>
             <a:r>
-              <a:rPr lang="en-IN" sz="2200"/>
+              <a:rPr lang="en-IN" sz="2400"/>
               <a:t>- Training Accuracy: 97.5%</a:t>
             </a:r>
             <a:br>
-              <a:rPr lang="en-IN" sz="2200"/>
+              <a:rPr lang="en-IN" sz="2400"/>
             </a:br>
             <a:r>
-              <a:rPr lang="en-IN" sz="2200"/>
+              <a:rPr lang="en-IN" sz="2400"/>
               <a:t>- Validation Accuracy: 96.5%</a:t>
             </a:r>
             <a:br>
-              <a:rPr lang="en-IN" sz="2200"/>
+              <a:rPr lang="en-IN" sz="2400"/>
             </a:br>
             <a:r>
-              <a:rPr lang="en-IN" sz="2200"/>
+              <a:rPr lang="en-IN" sz="2400"/>
               <a:t>- Loss steadily decreased over epochs, showing stable training.</a:t>
             </a:r>
             <a:br>
-              <a:rPr lang="en-IN" sz="2200"/>
+              <a:rPr lang="en-IN" sz="2400"/>
             </a:br>
             <a:r>
-              <a:rPr lang="en-IN" sz="2200"/>
+              <a:rPr lang="en-IN" sz="2400"/>
               <a:t>On a test set of 50 images, the model correctly predicted 94% of phone numbers entirely. Precision and recall were above 95%.</a:t>
             </a:r>
             <a:br>
-              <a:rPr lang="en-IN" sz="2200"/>
+              <a:rPr lang="en-IN" sz="2400"/>
             </a:br>
             <a:r>
-              <a:rPr lang="en-IN" sz="2200"/>
+              <a:rPr lang="en-IN" sz="2400"/>
               <a:t>Sample Input: Synthetic image '6685260654.png'</a:t>
             </a:r>
             <a:br>
-              <a:rPr lang="en-IN" sz="2200"/>
+              <a:rPr lang="en-IN" sz="2400"/>
             </a:br>
             <a:r>
-              <a:rPr lang="en-IN" sz="2200"/>
+              <a:rPr lang="en-IN" sz="2400"/>
               <a:t>Output: Predicted phone number: 6685260654</a:t>
             </a:r>
-            <a:endParaRPr sz="3200" b="0" i="0" u="none" strike="noStrike" cap="none">
+            <a:endParaRPr lang="en-IN" sz="2400" b="0" i="0" u="none" strike="noStrike" cap="none">
               <a:solidFill>
                 <a:srgbClr val="000000"/>
               </a:solidFill>
@@ -15614,13 +15614,13 @@
               <a:buNone/>
             </a:pPr>
             <a:r>
-              <a:rPr lang="en-IN" sz="2300"/>
+              <a:rPr lang="en-IN" sz="2400"/>
               <a:t>PhoneVision provides a high-accuracy, scalable solution for recognizing handwritten phone numbers using CNNs trained on synthetic data. The project demonstrates how synthetic data generation can simulate real-world OCR use cases, offering practical applications in digitizing forms, postal codes, and user-input fields.</a:t>
             </a:r>
             <a:br>
-              <a:rPr lang="en-IN" sz="2300"/>
+              <a:rPr lang="en-IN" sz="2400"/>
             </a:br>
-            <a:endParaRPr sz="2300"/>
+            <a:endParaRPr sz="2400"/>
           </a:p>
           <a:p>
             <a:pPr marL="0" marR="0" lvl="0" indent="0" algn="l" rtl="0">
@@ -15636,31 +15636,31 @@
               <a:buNone/>
             </a:pPr>
             <a:r>
-              <a:rPr lang="en-IN" sz="2300"/>
+              <a:rPr lang="en-IN" sz="2400"/>
               <a:t>Future Work:</a:t>
             </a:r>
             <a:br>
-              <a:rPr lang="en-IN" sz="2300"/>
+              <a:rPr lang="en-IN" sz="2400"/>
             </a:br>
             <a:r>
-              <a:rPr lang="en-IN" sz="2300"/>
+              <a:rPr lang="en-IN" sz="2400"/>
               <a:t>- Extend to variable-length numbers and alphanumeric sequences.</a:t>
             </a:r>
             <a:br>
-              <a:rPr lang="en-IN" sz="2300"/>
+              <a:rPr lang="en-IN" sz="2400"/>
             </a:br>
             <a:r>
-              <a:rPr lang="en-IN" sz="2300"/>
+              <a:rPr lang="en-IN" sz="2400"/>
               <a:t>- Add robustness through noise and rotation augmentation.</a:t>
             </a:r>
             <a:br>
-              <a:rPr lang="en-IN" sz="2300"/>
+              <a:rPr lang="en-IN" sz="2400"/>
             </a:br>
             <a:r>
-              <a:rPr lang="en-IN" sz="2300"/>
+              <a:rPr lang="en-IN" sz="2400"/>
               <a:t>- Deploy as mobile/web application with live camera input.</a:t>
             </a:r>
-            <a:endParaRPr sz="3300" b="0" i="0" u="none" strike="noStrike" cap="none">
+            <a:endParaRPr lang="en-IN" sz="2400" b="0" i="0" u="none" strike="noStrike" cap="none">
               <a:solidFill>
                 <a:srgbClr val="000000"/>
               </a:solidFill>
@@ -15785,38 +15785,38 @@
               <a:buNone/>
             </a:pPr>
             <a:r>
-              <a:rPr lang="en-IN" sz="2100"/>
+              <a:rPr lang="en-IN" sz="2400"/>
               <a:t>[1] LeCun, Y. et al. (1998). Gradient-based learning applied to document recognition.</a:t>
             </a:r>
             <a:br>
-              <a:rPr lang="en-IN" sz="2100"/>
+              <a:rPr lang="en-IN" sz="2400"/>
             </a:br>
             <a:r>
-              <a:rPr lang="en-IN" sz="2100"/>
+              <a:rPr lang="en-IN" sz="2400"/>
               <a:t>[2] Cireşan, D. et al. (2010). Deep big simple neural nets excel on handwritten digit recognition.</a:t>
             </a:r>
             <a:br>
-              <a:rPr lang="en-IN" sz="2100"/>
+              <a:rPr lang="en-IN" sz="2400"/>
             </a:br>
             <a:r>
-              <a:rPr lang="en-IN" sz="2100"/>
+              <a:rPr lang="en-IN" sz="2400"/>
               <a:t>[3] Simard, P. Y. et al. (2003). Best practices for CNNs applied to visual document analysis.</a:t>
             </a:r>
             <a:br>
-              <a:rPr lang="en-IN" sz="2100"/>
+              <a:rPr lang="en-IN" sz="2400"/>
             </a:br>
             <a:r>
-              <a:rPr lang="en-IN" sz="2100"/>
+              <a:rPr lang="en-IN" sz="2400"/>
               <a:t>[4] Zhang, H., &amp; LeCun, Y. (2015). Character-level CNNs for text classification.</a:t>
             </a:r>
             <a:br>
-              <a:rPr lang="en-IN" sz="2100"/>
+              <a:rPr lang="en-IN" sz="2400"/>
             </a:br>
             <a:r>
-              <a:rPr lang="en-IN" sz="2100"/>
+              <a:rPr lang="en-IN" sz="2400"/>
               <a:t>[5] Goodfellow, I. et al. (2013). Multi-digit number recognition using deep CNNs.</a:t>
             </a:r>
-            <a:endParaRPr sz="3100" b="0" i="0" u="none" strike="noStrike" cap="none">
+            <a:endParaRPr lang="en-IN" sz="2400" b="0" i="0" u="none" strike="noStrike" cap="none">
               <a:solidFill>
                 <a:srgbClr val="000000"/>
               </a:solidFill>
@@ -16253,50 +16253,6 @@
             <a:fld id="{00000000-1234-1234-1234-123412341234}" type="slidenum">
               <a:rPr lang="en-IN"/>
             </a:fld>
-            <a:endParaRPr lang="en-IN"/>
-          </a:p>
-        </p:txBody>
-      </p:sp>
-      <p:sp>
-        <p:nvSpPr>
-          <p:cNvPr id="183" name="Google Shape;183;p14"/>
-          <p:cNvSpPr txBox="1"/>
-          <p:nvPr>
-            <p:ph type="dt" idx="10"/>
-          </p:nvPr>
-        </p:nvSpPr>
-        <p:spPr>
-          <a:xfrm>
-            <a:off x="812800" y="6245225"/>
-            <a:ext cx="2641600" cy="476250"/>
-          </a:xfrm>
-          <a:prstGeom prst="rect">
-            <a:avLst/>
-          </a:prstGeom>
-          <a:noFill/>
-          <a:ln>
-            <a:noFill/>
-          </a:ln>
-        </p:spPr>
-        <p:txBody>
-          <a:bodyPr spcFirstLastPara="1" wrap="square" lIns="91425" tIns="45700" rIns="91425" bIns="45700" anchor="t" anchorCtr="0">
-            <a:noAutofit/>
-          </a:bodyPr>
-          <a:lstStyle/>
-          <a:p>
-            <a:pPr marL="0" lvl="0" indent="0" algn="l" rtl="0">
-              <a:spcBef>
-                <a:spcPts val="0"/>
-              </a:spcBef>
-              <a:spcAft>
-                <a:spcPts val="0"/>
-              </a:spcAft>
-              <a:buNone/>
-            </a:pPr>
-            <a:r>
-              <a:rPr lang="en-IN"/>
-              <a:t>Second Review</a:t>
-            </a:r>
             <a:endParaRPr lang="en-IN"/>
           </a:p>
         </p:txBody>
@@ -16845,7 +16801,7 @@
             </a:pPr>
             <a:r>
               <a:rPr lang="en-IN" sz="2400"/>
-              <a:t>The proposed system consists of multiple components including dataset generation, digit segmentation, CNN training, and real-time inference. Synthetic images are created by concatenating MNIST digits. These are segmented into 10 parts and normalized. A CNN model with two convolutional layers and a dense classifier is trained on the cropped digit images. The trained model is deployed with a Flask backend that accepts image uploads and predicts phone numbers by classifying each digit segment.</a:t>
+              <a:t>The proposed system consists of multiple components including dataset generation, digit segmentation, CNN training, and real-time inference. Synthetic images are created by concatenating MNIST digits. These are segmented into 10 parts and normalized. A CNN model with two convolutional layers and a dense classifier is trained on the cropped digit images. The trained model is deployed that accepts image uploads and predicts phone numbers by classifying each digit segment.</a:t>
             </a:r>
             <a:endParaRPr lang="en-IN" sz="2400" b="0" i="0" u="none" strike="noStrike" cap="none">
               <a:solidFill>
@@ -17144,10 +17100,10 @@
               <a:buNone/>
             </a:pPr>
             <a:r>
-              <a:rPr lang="en-IN" sz="2200"/>
+              <a:rPr lang="en-IN" sz="2400"/>
               <a:t>The architecture begins with synthetic dataset generation using the MNIST dataset. Each image consists of 10 randomly selected digits stitched horizontally (28x280 pixels).These images are segmented into 28x28 crops and preprocessed (grayscale normalization, one-hot label encoding). The CNN model is built using Keras and consists of two convolutional layers, max pooling, and a dense output layer with softmax. The model is trained on 90% of the data and validated on 10%.During inference, a user uploads a phone number image to the backend. The system segments the image, applies preprocessing, and classifies each digit using the trained model. Predicted digits are concatenated and returned to the user interface.</a:t>
             </a:r>
-            <a:endParaRPr sz="3200" b="0" i="0" u="none" strike="noStrike" cap="none">
+            <a:endParaRPr sz="2400" b="0" i="0" u="none" strike="noStrike" cap="none">
               <a:solidFill>
                 <a:srgbClr val="000000"/>
               </a:solidFill>
